--- a/html/ML-Course/Intro-to-ML-with-Python/images/Image Creation.pptx
+++ b/html/ML-Course/Intro-to-ML-with-Python/images/Image Creation.pptx
@@ -3340,10 +3340,10 @@
       </p:grpSpPr>
       <p:grpSp>
         <p:nvGrpSpPr>
-          <p:cNvPr id="20" name="Group 19">
-            <a:extLst>
-              <a:ext uri="{FF2B5EF4-FFF2-40B4-BE49-F238E27FC236}">
-                <a16:creationId xmlns:a16="http://schemas.microsoft.com/office/drawing/2014/main" id="{194D5835-DC8B-4300-B512-AB77BE129D56}"/>
+          <p:cNvPr id="2" name="Group 1">
+            <a:extLst>
+              <a:ext uri="{FF2B5EF4-FFF2-40B4-BE49-F238E27FC236}">
+                <a16:creationId xmlns:a16="http://schemas.microsoft.com/office/drawing/2014/main" id="{52E1C370-52AB-4987-B698-6DBD18181A98}"/>
               </a:ext>
             </a:extLst>
           </p:cNvPr>
@@ -3352,9 +3352,9 @@
         </p:nvGrpSpPr>
         <p:grpSpPr>
           <a:xfrm>
-            <a:off x="3345628" y="1495313"/>
+            <a:off x="4392003" y="1174802"/>
             <a:ext cx="6326193" cy="3044366"/>
-            <a:chOff x="3345628" y="1495313"/>
+            <a:chOff x="4392003" y="1174802"/>
             <a:chExt cx="6326193" cy="3044366"/>
           </a:xfrm>
         </p:grpSpPr>
@@ -3372,7 +3372,7 @@
           </p:nvSpPr>
           <p:spPr>
             <a:xfrm>
-              <a:off x="5181599" y="3037895"/>
+              <a:off x="6227974" y="2717384"/>
               <a:ext cx="2113085" cy="369332"/>
             </a:xfrm>
             <a:prstGeom prst="rect">
@@ -3411,7 +3411,7 @@
           </p:nvSpPr>
           <p:spPr>
             <a:xfrm>
-              <a:off x="5216769" y="1495313"/>
+              <a:off x="6263144" y="1174802"/>
               <a:ext cx="1758462" cy="474164"/>
             </a:xfrm>
             <a:prstGeom prst="roundRect">
@@ -3463,7 +3463,7 @@
           </p:nvSpPr>
           <p:spPr>
             <a:xfrm>
-              <a:off x="5216768" y="2305783"/>
+              <a:off x="6263143" y="1985272"/>
               <a:ext cx="1758462" cy="800100"/>
             </a:xfrm>
             <a:prstGeom prst="roundRect">
@@ -3515,7 +3515,7 @@
           </p:nvSpPr>
           <p:spPr>
             <a:xfrm>
-              <a:off x="5580182" y="3773374"/>
+              <a:off x="6626557" y="3452863"/>
               <a:ext cx="1031631" cy="505557"/>
             </a:xfrm>
             <a:prstGeom prst="roundRect">
@@ -3567,7 +3567,7 @@
           </p:nvSpPr>
           <p:spPr>
             <a:xfrm>
-              <a:off x="4055736" y="3795319"/>
+              <a:off x="5102111" y="3474808"/>
               <a:ext cx="1248507" cy="461665"/>
             </a:xfrm>
             <a:prstGeom prst="rect">
@@ -3607,7 +3607,7 @@
           </p:nvSpPr>
           <p:spPr>
             <a:xfrm>
-              <a:off x="7221960" y="3773374"/>
+              <a:off x="8268335" y="3452863"/>
               <a:ext cx="2113084" cy="461665"/>
             </a:xfrm>
             <a:prstGeom prst="rect">
@@ -3651,7 +3651,7 @@
           </p:nvCxnSpPr>
           <p:spPr>
             <a:xfrm flipH="1">
-              <a:off x="6095999" y="1969477"/>
+              <a:off x="7142374" y="1648966"/>
               <a:ext cx="1" cy="336306"/>
             </a:xfrm>
             <a:prstGeom prst="straightConnector1">
@@ -3690,7 +3690,7 @@
           </p:nvCxnSpPr>
           <p:spPr>
             <a:xfrm flipH="1">
-              <a:off x="6095998" y="3437068"/>
+              <a:off x="7142373" y="3116557"/>
               <a:ext cx="1" cy="336306"/>
             </a:xfrm>
             <a:prstGeom prst="straightConnector1">
@@ -3732,7 +3732,7 @@
           </p:nvCxnSpPr>
           <p:spPr>
             <a:xfrm flipV="1">
-              <a:off x="4970036" y="4056069"/>
+              <a:off x="6016411" y="3735558"/>
               <a:ext cx="610147" cy="3"/>
             </a:xfrm>
             <a:prstGeom prst="straightConnector1">
@@ -3773,7 +3773,7 @@
           </p:nvCxnSpPr>
           <p:spPr>
             <a:xfrm flipV="1">
-              <a:off x="6611813" y="4056069"/>
+              <a:off x="7658188" y="3735558"/>
               <a:ext cx="610147" cy="3"/>
             </a:xfrm>
             <a:prstGeom prst="straightConnector1">
@@ -3812,7 +3812,7 @@
           </p:nvSpPr>
           <p:spPr>
             <a:xfrm>
-              <a:off x="3345628" y="4170347"/>
+              <a:off x="4392003" y="3849836"/>
               <a:ext cx="2234553" cy="369332"/>
             </a:xfrm>
             <a:prstGeom prst="rect">
@@ -3851,7 +3851,7 @@
           </p:nvSpPr>
           <p:spPr>
             <a:xfrm>
-              <a:off x="6975230" y="4161803"/>
+              <a:off x="8021605" y="3841292"/>
               <a:ext cx="2696591" cy="369332"/>
             </a:xfrm>
             <a:prstGeom prst="rect">
@@ -3876,6 +3876,47 @@
             </a:p>
           </p:txBody>
         </p:sp>
+        <p:cxnSp>
+          <p:nvCxnSpPr>
+            <p:cNvPr id="16" name="Straight Arrow Connector 15">
+              <a:extLst>
+                <a:ext uri="{FF2B5EF4-FFF2-40B4-BE49-F238E27FC236}">
+                  <a16:creationId xmlns:a16="http://schemas.microsoft.com/office/drawing/2014/main" id="{F7F6E3F5-B53D-4DCB-83FA-5034915F1CDE}"/>
+                </a:ext>
+              </a:extLst>
+            </p:cNvPr>
+            <p:cNvCxnSpPr>
+              <a:cxnSpLocks/>
+            </p:cNvCxnSpPr>
+            <p:nvPr/>
+          </p:nvCxnSpPr>
+          <p:spPr>
+            <a:xfrm flipH="1">
+              <a:off x="7139967" y="3101637"/>
+              <a:ext cx="1" cy="336306"/>
+            </a:xfrm>
+            <a:prstGeom prst="straightConnector1">
+              <a:avLst/>
+            </a:prstGeom>
+            <a:ln w="38100">
+              <a:tailEnd type="triangle"/>
+            </a:ln>
+          </p:spPr>
+          <p:style>
+            <a:lnRef idx="3">
+              <a:schemeClr val="dk1"/>
+            </a:lnRef>
+            <a:fillRef idx="0">
+              <a:schemeClr val="dk1"/>
+            </a:fillRef>
+            <a:effectRef idx="2">
+              <a:schemeClr val="dk1"/>
+            </a:effectRef>
+            <a:fontRef idx="minor">
+              <a:schemeClr val="tx1"/>
+            </a:fontRef>
+          </p:style>
+        </p:cxnSp>
       </p:grpSp>
     </p:spTree>
     <p:extLst>
@@ -3928,16 +3969,16 @@
           <a:bodyPr/>
           <a:lstStyle/>
           <a:p>
-            <a:endParaRPr lang="en-US"/>
+            <a:endParaRPr lang="en-US" dirty="0"/>
           </a:p>
         </p:txBody>
       </p:sp>
       <p:pic>
         <p:nvPicPr>
-          <p:cNvPr id="4" name="Content Placeholder 3">
-            <a:extLst>
-              <a:ext uri="{FF2B5EF4-FFF2-40B4-BE49-F238E27FC236}">
-                <a16:creationId xmlns:a16="http://schemas.microsoft.com/office/drawing/2014/main" id="{A2197840-CE39-47C1-912A-6FB2BB83514E}"/>
+          <p:cNvPr id="6" name="Content Placeholder 5">
+            <a:extLst>
+              <a:ext uri="{FF2B5EF4-FFF2-40B4-BE49-F238E27FC236}">
+                <a16:creationId xmlns:a16="http://schemas.microsoft.com/office/drawing/2014/main" id="{5245107F-C6A3-421D-B7CF-BAC5A4998E9E}"/>
               </a:ext>
             </a:extLst>
           </p:cNvPr>
@@ -3956,8 +3997,8 @@
         </p:blipFill>
         <p:spPr>
           <a:xfrm>
-            <a:off x="2904467" y="2431438"/>
-            <a:ext cx="6383065" cy="3139712"/>
+            <a:off x="2907515" y="2431438"/>
+            <a:ext cx="6376969" cy="3139712"/>
           </a:xfrm>
           <a:prstGeom prst="rect">
             <a:avLst/>

--- a/html/ML-Course/Intro-to-ML-with-Python/images/Image Creation.pptx
+++ b/html/ML-Course/Intro-to-ML-with-Python/images/Image Creation.pptx
@@ -271,7 +271,7 @@
           <a:p>
             <a:fld id="{942D5359-678D-46E0-9A3F-2618D6F70C3F}" type="datetimeFigureOut">
               <a:rPr lang="en-US" smtClean="0"/>
-              <a:t>08-Sep-18</a:t>
+              <a:t>09-Sep-18</a:t>
             </a:fld>
             <a:endParaRPr lang="en-US"/>
           </a:p>
@@ -469,7 +469,7 @@
           <a:p>
             <a:fld id="{942D5359-678D-46E0-9A3F-2618D6F70C3F}" type="datetimeFigureOut">
               <a:rPr lang="en-US" smtClean="0"/>
-              <a:t>08-Sep-18</a:t>
+              <a:t>09-Sep-18</a:t>
             </a:fld>
             <a:endParaRPr lang="en-US"/>
           </a:p>
@@ -677,7 +677,7 @@
           <a:p>
             <a:fld id="{942D5359-678D-46E0-9A3F-2618D6F70C3F}" type="datetimeFigureOut">
               <a:rPr lang="en-US" smtClean="0"/>
-              <a:t>08-Sep-18</a:t>
+              <a:t>09-Sep-18</a:t>
             </a:fld>
             <a:endParaRPr lang="en-US"/>
           </a:p>
@@ -875,7 +875,7 @@
           <a:p>
             <a:fld id="{942D5359-678D-46E0-9A3F-2618D6F70C3F}" type="datetimeFigureOut">
               <a:rPr lang="en-US" smtClean="0"/>
-              <a:t>08-Sep-18</a:t>
+              <a:t>09-Sep-18</a:t>
             </a:fld>
             <a:endParaRPr lang="en-US"/>
           </a:p>
@@ -1150,7 +1150,7 @@
           <a:p>
             <a:fld id="{942D5359-678D-46E0-9A3F-2618D6F70C3F}" type="datetimeFigureOut">
               <a:rPr lang="en-US" smtClean="0"/>
-              <a:t>08-Sep-18</a:t>
+              <a:t>09-Sep-18</a:t>
             </a:fld>
             <a:endParaRPr lang="en-US"/>
           </a:p>
@@ -1415,7 +1415,7 @@
           <a:p>
             <a:fld id="{942D5359-678D-46E0-9A3F-2618D6F70C3F}" type="datetimeFigureOut">
               <a:rPr lang="en-US" smtClean="0"/>
-              <a:t>08-Sep-18</a:t>
+              <a:t>09-Sep-18</a:t>
             </a:fld>
             <a:endParaRPr lang="en-US"/>
           </a:p>
@@ -1827,7 +1827,7 @@
           <a:p>
             <a:fld id="{942D5359-678D-46E0-9A3F-2618D6F70C3F}" type="datetimeFigureOut">
               <a:rPr lang="en-US" smtClean="0"/>
-              <a:t>08-Sep-18</a:t>
+              <a:t>09-Sep-18</a:t>
             </a:fld>
             <a:endParaRPr lang="en-US"/>
           </a:p>
@@ -1968,7 +1968,7 @@
           <a:p>
             <a:fld id="{942D5359-678D-46E0-9A3F-2618D6F70C3F}" type="datetimeFigureOut">
               <a:rPr lang="en-US" smtClean="0"/>
-              <a:t>08-Sep-18</a:t>
+              <a:t>09-Sep-18</a:t>
             </a:fld>
             <a:endParaRPr lang="en-US"/>
           </a:p>
@@ -2081,7 +2081,7 @@
           <a:p>
             <a:fld id="{942D5359-678D-46E0-9A3F-2618D6F70C3F}" type="datetimeFigureOut">
               <a:rPr lang="en-US" smtClean="0"/>
-              <a:t>08-Sep-18</a:t>
+              <a:t>09-Sep-18</a:t>
             </a:fld>
             <a:endParaRPr lang="en-US"/>
           </a:p>
@@ -2392,7 +2392,7 @@
           <a:p>
             <a:fld id="{942D5359-678D-46E0-9A3F-2618D6F70C3F}" type="datetimeFigureOut">
               <a:rPr lang="en-US" smtClean="0"/>
-              <a:t>08-Sep-18</a:t>
+              <a:t>09-Sep-18</a:t>
             </a:fld>
             <a:endParaRPr lang="en-US"/>
           </a:p>
@@ -2680,7 +2680,7 @@
           <a:p>
             <a:fld id="{942D5359-678D-46E0-9A3F-2618D6F70C3F}" type="datetimeFigureOut">
               <a:rPr lang="en-US" smtClean="0"/>
-              <a:t>08-Sep-18</a:t>
+              <a:t>09-Sep-18</a:t>
             </a:fld>
             <a:endParaRPr lang="en-US"/>
           </a:p>
@@ -2921,7 +2921,7 @@
           <a:p>
             <a:fld id="{942D5359-678D-46E0-9A3F-2618D6F70C3F}" type="datetimeFigureOut">
               <a:rPr lang="en-US" smtClean="0"/>
-              <a:t>08-Sep-18</a:t>
+              <a:t>09-Sep-18</a:t>
             </a:fld>
             <a:endParaRPr lang="en-US"/>
           </a:p>
@@ -3627,7 +3627,7 @@
               </a:r>
               <a:r>
                 <a:rPr lang="en-US" sz="2400" dirty="0"/>
-                <a:t>y = h(x)</a:t>
+                <a:t>h(x)</a:t>
               </a:r>
               <a:endParaRPr lang="en-US" dirty="0"/>
             </a:p>
@@ -3975,10 +3975,10 @@
       </p:sp>
       <p:pic>
         <p:nvPicPr>
-          <p:cNvPr id="6" name="Content Placeholder 5">
-            <a:extLst>
-              <a:ext uri="{FF2B5EF4-FFF2-40B4-BE49-F238E27FC236}">
-                <a16:creationId xmlns:a16="http://schemas.microsoft.com/office/drawing/2014/main" id="{5245107F-C6A3-421D-B7CF-BAC5A4998E9E}"/>
+          <p:cNvPr id="5" name="Content Placeholder 4">
+            <a:extLst>
+              <a:ext uri="{FF2B5EF4-FFF2-40B4-BE49-F238E27FC236}">
+                <a16:creationId xmlns:a16="http://schemas.microsoft.com/office/drawing/2014/main" id="{13785AB0-F3A2-4EAB-BBFA-417F13CD6D24}"/>
               </a:ext>
             </a:extLst>
           </p:cNvPr>

--- a/html/ML-Course/Intro-to-ML-with-Python/images/Image Creation.pptx
+++ b/html/ML-Course/Intro-to-ML-with-Python/images/Image Creation.pptx
@@ -3969,42 +3969,978 @@
           <a:bodyPr/>
           <a:lstStyle/>
           <a:p>
-            <a:endParaRPr lang="en-US" dirty="0"/>
-          </a:p>
-        </p:txBody>
-      </p:sp>
-      <p:pic>
-        <p:nvPicPr>
-          <p:cNvPr id="5" name="Content Placeholder 4">
-            <a:extLst>
-              <a:ext uri="{FF2B5EF4-FFF2-40B4-BE49-F238E27FC236}">
-                <a16:creationId xmlns:a16="http://schemas.microsoft.com/office/drawing/2014/main" id="{13785AB0-F3A2-4EAB-BBFA-417F13CD6D24}"/>
-              </a:ext>
-            </a:extLst>
-          </p:cNvPr>
-          <p:cNvPicPr>
-            <a:picLocks noGrp="1" noChangeAspect="1"/>
-          </p:cNvPicPr>
-          <p:nvPr>
-            <p:ph idx="1"/>
-          </p:nvPr>
-        </p:nvPicPr>
-        <p:blipFill>
-          <a:blip r:embed="rId2"/>
-          <a:stretch>
-            <a:fillRect/>
-          </a:stretch>
-        </p:blipFill>
-        <p:spPr>
-          <a:xfrm>
-            <a:off x="2907515" y="2431438"/>
-            <a:ext cx="6376969" cy="3139712"/>
-          </a:xfrm>
-          <a:prstGeom prst="rect">
-            <a:avLst/>
-          </a:prstGeom>
-        </p:spPr>
-      </p:pic>
+            <a:r>
+              <a:rPr lang="en-US" dirty="0"/>
+              <a:t>Linear &amp; logistic regression</a:t>
+            </a:r>
+          </a:p>
+        </p:txBody>
+      </p:sp>
+      <mc:AlternateContent xmlns:mc="http://schemas.openxmlformats.org/markup-compatibility/2006">
+        <mc:Choice xmlns:a14="http://schemas.microsoft.com/office/drawing/2010/main" Requires="a14">
+          <p:sp>
+            <p:nvSpPr>
+              <p:cNvPr id="8" name="TextBox 7">
+                <a:extLst>
+                  <a:ext uri="{FF2B5EF4-FFF2-40B4-BE49-F238E27FC236}">
+                    <a16:creationId xmlns:a16="http://schemas.microsoft.com/office/drawing/2014/main" id="{7ABCB78B-A234-4B46-8F4F-713E7EA04E87}"/>
+                  </a:ext>
+                </a:extLst>
+              </p:cNvPr>
+              <p:cNvSpPr txBox="1"/>
+              <p:nvPr/>
+            </p:nvSpPr>
+            <p:spPr>
+              <a:xfrm>
+                <a:off x="4575011" y="2574178"/>
+                <a:ext cx="2277675" cy="756233"/>
+              </a:xfrm>
+              <a:prstGeom prst="rect">
+                <a:avLst/>
+              </a:prstGeom>
+              <a:noFill/>
+            </p:spPr>
+            <p:txBody>
+              <a:bodyPr wrap="none" lIns="0" tIns="0" rIns="0" bIns="0" rtlCol="0">
+                <a:spAutoFit/>
+              </a:bodyPr>
+              <a:lstStyle/>
+              <a:p>
+                <a14:m>
+                  <m:oMathPara xmlns:m="http://schemas.openxmlformats.org/officeDocument/2006/math">
+                    <m:oMathParaPr>
+                      <m:jc m:val="centerGroup"/>
+                    </m:oMathParaPr>
+                    <m:oMath xmlns:m="http://schemas.openxmlformats.org/officeDocument/2006/math">
+                      <m:r>
+                        <a:rPr lang="en-US" b="0" i="1" smtClean="0">
+                          <a:latin typeface="Cambria Math" panose="02040503050406030204" pitchFamily="18" charset="0"/>
+                        </a:rPr>
+                        <m:t>𝑀𝑆𝐸</m:t>
+                      </m:r>
+                      <m:r>
+                        <a:rPr lang="en-US" i="1" smtClean="0">
+                          <a:latin typeface="Cambria Math" panose="02040503050406030204" pitchFamily="18" charset="0"/>
+                        </a:rPr>
+                        <m:t>=</m:t>
+                      </m:r>
+                      <m:f>
+                        <m:fPr>
+                          <m:ctrlPr>
+                            <a:rPr lang="en-US" i="1" smtClean="0">
+                              <a:latin typeface="Cambria Math" panose="02040503050406030204" pitchFamily="18" charset="0"/>
+                            </a:rPr>
+                          </m:ctrlPr>
+                        </m:fPr>
+                        <m:num>
+                          <m:r>
+                            <a:rPr lang="en-US" b="0" i="1" smtClean="0">
+                              <a:latin typeface="Cambria Math" panose="02040503050406030204" pitchFamily="18" charset="0"/>
+                            </a:rPr>
+                            <m:t>1</m:t>
+                          </m:r>
+                        </m:num>
+                        <m:den>
+                          <m:r>
+                            <a:rPr lang="en-US" b="0" i="1" smtClean="0">
+                              <a:latin typeface="Cambria Math" panose="02040503050406030204" pitchFamily="18" charset="0"/>
+                            </a:rPr>
+                            <m:t>𝑛</m:t>
+                          </m:r>
+                        </m:den>
+                      </m:f>
+                      <m:nary>
+                        <m:naryPr>
+                          <m:chr m:val="∑"/>
+                          <m:ctrlPr>
+                            <a:rPr lang="en-US" i="1" smtClean="0">
+                              <a:latin typeface="Cambria Math" panose="02040503050406030204" pitchFamily="18" charset="0"/>
+                            </a:rPr>
+                          </m:ctrlPr>
+                        </m:naryPr>
+                        <m:sub>
+                          <m:r>
+                            <m:rPr>
+                              <m:brk m:alnAt="23"/>
+                            </m:rPr>
+                            <a:rPr lang="en-US" b="0" i="1" smtClean="0">
+                              <a:latin typeface="Cambria Math" panose="02040503050406030204" pitchFamily="18" charset="0"/>
+                            </a:rPr>
+                            <m:t>𝑖</m:t>
+                          </m:r>
+                          <m:r>
+                            <a:rPr lang="en-US" b="0" i="1" smtClean="0">
+                              <a:latin typeface="Cambria Math" panose="02040503050406030204" pitchFamily="18" charset="0"/>
+                            </a:rPr>
+                            <m:t>=1</m:t>
+                          </m:r>
+                        </m:sub>
+                        <m:sup>
+                          <m:r>
+                            <a:rPr lang="en-US" b="0" i="1" smtClean="0">
+                              <a:latin typeface="Cambria Math" panose="02040503050406030204" pitchFamily="18" charset="0"/>
+                            </a:rPr>
+                            <m:t>𝑛</m:t>
+                          </m:r>
+                        </m:sup>
+                        <m:e>
+                          <m:sSup>
+                            <m:sSupPr>
+                              <m:ctrlPr>
+                                <a:rPr lang="en-US" i="1" smtClean="0">
+                                  <a:latin typeface="Cambria Math" panose="02040503050406030204" pitchFamily="18" charset="0"/>
+                                </a:rPr>
+                              </m:ctrlPr>
+                            </m:sSupPr>
+                            <m:e>
+                              <m:d>
+                                <m:dPr>
+                                  <m:ctrlPr>
+                                    <a:rPr lang="en-US" i="1">
+                                      <a:latin typeface="Cambria Math" panose="02040503050406030204" pitchFamily="18" charset="0"/>
+                                    </a:rPr>
+                                  </m:ctrlPr>
+                                </m:dPr>
+                                <m:e>
+                                  <m:sSub>
+                                    <m:sSubPr>
+                                      <m:ctrlPr>
+                                        <a:rPr lang="en-US" i="1" smtClean="0">
+                                          <a:latin typeface="Cambria Math" panose="02040503050406030204" pitchFamily="18" charset="0"/>
+                                        </a:rPr>
+                                      </m:ctrlPr>
+                                    </m:sSubPr>
+                                    <m:e>
+                                      <m:r>
+                                        <a:rPr lang="en-US" b="0" i="1" smtClean="0">
+                                          <a:latin typeface="Cambria Math" panose="02040503050406030204" pitchFamily="18" charset="0"/>
+                                        </a:rPr>
+                                        <m:t>𝑦</m:t>
+                                      </m:r>
+                                    </m:e>
+                                    <m:sub>
+                                      <m:r>
+                                        <a:rPr lang="en-US" b="0" i="1" smtClean="0">
+                                          <a:latin typeface="Cambria Math" panose="02040503050406030204" pitchFamily="18" charset="0"/>
+                                        </a:rPr>
+                                        <m:t>𝑖</m:t>
+                                      </m:r>
+                                    </m:sub>
+                                  </m:sSub>
+                                  <m:r>
+                                    <a:rPr lang="en-US" i="1">
+                                      <a:latin typeface="Cambria Math" panose="02040503050406030204" pitchFamily="18" charset="0"/>
+                                    </a:rPr>
+                                    <m:t>−</m:t>
+                                  </m:r>
+                                  <m:sSub>
+                                    <m:sSubPr>
+                                      <m:ctrlPr>
+                                        <a:rPr lang="en-US" i="1">
+                                          <a:latin typeface="Cambria Math" panose="02040503050406030204" pitchFamily="18" charset="0"/>
+                                        </a:rPr>
+                                      </m:ctrlPr>
+                                    </m:sSubPr>
+                                    <m:e>
+                                      <m:acc>
+                                        <m:accPr>
+                                          <m:chr m:val="̃"/>
+                                          <m:ctrlPr>
+                                            <a:rPr lang="en-US" i="1">
+                                              <a:latin typeface="Cambria Math" panose="02040503050406030204" pitchFamily="18" charset="0"/>
+                                            </a:rPr>
+                                          </m:ctrlPr>
+                                        </m:accPr>
+                                        <m:e>
+                                          <m:r>
+                                            <a:rPr lang="en-US" i="1">
+                                              <a:latin typeface="Cambria Math" panose="02040503050406030204" pitchFamily="18" charset="0"/>
+                                            </a:rPr>
+                                            <m:t>𝑦</m:t>
+                                          </m:r>
+                                        </m:e>
+                                      </m:acc>
+                                    </m:e>
+                                    <m:sub>
+                                      <m:r>
+                                        <a:rPr lang="en-US" i="1">
+                                          <a:latin typeface="Cambria Math" panose="02040503050406030204" pitchFamily="18" charset="0"/>
+                                        </a:rPr>
+                                        <m:t>𝑖</m:t>
+                                      </m:r>
+                                    </m:sub>
+                                  </m:sSub>
+                                </m:e>
+                              </m:d>
+                            </m:e>
+                            <m:sup>
+                              <m:r>
+                                <a:rPr lang="en-US" b="0" i="1" smtClean="0">
+                                  <a:latin typeface="Cambria Math" panose="02040503050406030204" pitchFamily="18" charset="0"/>
+                                </a:rPr>
+                                <m:t>2</m:t>
+                              </m:r>
+                            </m:sup>
+                          </m:sSup>
+                        </m:e>
+                      </m:nary>
+                    </m:oMath>
+                  </m:oMathPara>
+                </a14:m>
+                <a:endParaRPr lang="en-US" dirty="0"/>
+              </a:p>
+            </p:txBody>
+          </p:sp>
+        </mc:Choice>
+        <mc:Fallback>
+          <p:sp>
+            <p:nvSpPr>
+              <p:cNvPr id="8" name="TextBox 7">
+                <a:extLst>
+                  <a:ext uri="{FF2B5EF4-FFF2-40B4-BE49-F238E27FC236}">
+                    <a16:creationId xmlns:a16="http://schemas.microsoft.com/office/drawing/2014/main" id="{7ABCB78B-A234-4B46-8F4F-713E7EA04E87}"/>
+                  </a:ext>
+                </a:extLst>
+              </p:cNvPr>
+              <p:cNvSpPr txBox="1">
+                <a:spLocks noRot="1" noChangeAspect="1" noMove="1" noResize="1" noEditPoints="1" noAdjustHandles="1" noChangeArrowheads="1" noChangeShapeType="1" noTextEdit="1"/>
+              </p:cNvSpPr>
+              <p:nvPr/>
+            </p:nvSpPr>
+            <p:spPr>
+              <a:xfrm>
+                <a:off x="4575011" y="2574178"/>
+                <a:ext cx="2277675" cy="756233"/>
+              </a:xfrm>
+              <a:prstGeom prst="rect">
+                <a:avLst/>
+              </a:prstGeom>
+              <a:blipFill>
+                <a:blip r:embed="rId2"/>
+                <a:stretch>
+                  <a:fillRect/>
+                </a:stretch>
+              </a:blipFill>
+            </p:spPr>
+            <p:txBody>
+              <a:bodyPr/>
+              <a:lstStyle/>
+              <a:p>
+                <a:r>
+                  <a:rPr lang="en-US">
+                    <a:noFill/>
+                  </a:rPr>
+                  <a:t> </a:t>
+                </a:r>
+              </a:p>
+            </p:txBody>
+          </p:sp>
+        </mc:Fallback>
+      </mc:AlternateContent>
+      <mc:AlternateContent xmlns:mc="http://schemas.openxmlformats.org/markup-compatibility/2006">
+        <mc:Choice xmlns:a14="http://schemas.microsoft.com/office/drawing/2010/main" Requires="a14">
+          <p:sp>
+            <p:nvSpPr>
+              <p:cNvPr id="9" name="TextBox 8">
+                <a:extLst>
+                  <a:ext uri="{FF2B5EF4-FFF2-40B4-BE49-F238E27FC236}">
+                    <a16:creationId xmlns:a16="http://schemas.microsoft.com/office/drawing/2014/main" id="{CC1A6E5F-FA2D-4867-9B87-37980B0C35EA}"/>
+                  </a:ext>
+                </a:extLst>
+              </p:cNvPr>
+              <p:cNvSpPr txBox="1"/>
+              <p:nvPr/>
+            </p:nvSpPr>
+            <p:spPr>
+              <a:xfrm>
+                <a:off x="4575011" y="3629865"/>
+                <a:ext cx="3109569" cy="276999"/>
+              </a:xfrm>
+              <a:prstGeom prst="rect">
+                <a:avLst/>
+              </a:prstGeom>
+              <a:noFill/>
+            </p:spPr>
+            <p:txBody>
+              <a:bodyPr wrap="none" lIns="0" tIns="0" rIns="0" bIns="0" rtlCol="0">
+                <a:spAutoFit/>
+              </a:bodyPr>
+              <a:lstStyle/>
+              <a:p>
+                <a14:m>
+                  <m:oMathPara xmlns:m="http://schemas.openxmlformats.org/officeDocument/2006/math">
+                    <m:oMathParaPr>
+                      <m:jc m:val="centerGroup"/>
+                    </m:oMathParaPr>
+                    <m:oMath xmlns:m="http://schemas.openxmlformats.org/officeDocument/2006/math">
+                      <m:r>
+                        <a:rPr lang="en-US" b="0" i="1" smtClean="0">
+                          <a:latin typeface="Cambria Math" panose="02040503050406030204" pitchFamily="18" charset="0"/>
+                        </a:rPr>
+                        <m:t>𝑀𝑆𝐸</m:t>
+                      </m:r>
+                      <m:r>
+                        <a:rPr lang="en-US" i="1" smtClean="0">
+                          <a:latin typeface="Cambria Math" panose="02040503050406030204" pitchFamily="18" charset="0"/>
+                        </a:rPr>
+                        <m:t>=</m:t>
+                      </m:r>
+                      <m:sSup>
+                        <m:sSupPr>
+                          <m:ctrlPr>
+                            <a:rPr lang="en-US" i="1" smtClean="0">
+                              <a:latin typeface="Cambria Math" panose="02040503050406030204" pitchFamily="18" charset="0"/>
+                            </a:rPr>
+                          </m:ctrlPr>
+                        </m:sSupPr>
+                        <m:e>
+                          <m:d>
+                            <m:dPr>
+                              <m:begChr m:val="‖"/>
+                              <m:endChr m:val="‖"/>
+                              <m:ctrlPr>
+                                <a:rPr lang="en-US" i="1">
+                                  <a:latin typeface="Cambria Math" panose="02040503050406030204" pitchFamily="18" charset="0"/>
+                                </a:rPr>
+                              </m:ctrlPr>
+                            </m:dPr>
+                            <m:e>
+                              <m:r>
+                                <a:rPr lang="en-US" b="0" i="1" smtClean="0">
+                                  <a:latin typeface="Cambria Math" panose="02040503050406030204" pitchFamily="18" charset="0"/>
+                                </a:rPr>
+                                <m:t>𝑦</m:t>
+                              </m:r>
+                              <m:r>
+                                <a:rPr lang="en-US" i="1">
+                                  <a:latin typeface="Cambria Math" panose="02040503050406030204" pitchFamily="18" charset="0"/>
+                                </a:rPr>
+                                <m:t>−</m:t>
+                              </m:r>
+                              <m:acc>
+                                <m:accPr>
+                                  <m:chr m:val="̃"/>
+                                  <m:ctrlPr>
+                                    <a:rPr lang="en-US" b="0" i="1" smtClean="0">
+                                      <a:latin typeface="Cambria Math" panose="02040503050406030204" pitchFamily="18" charset="0"/>
+                                    </a:rPr>
+                                  </m:ctrlPr>
+                                </m:accPr>
+                                <m:e>
+                                  <m:r>
+                                    <a:rPr lang="en-US" b="0" i="1" smtClean="0">
+                                      <a:latin typeface="Cambria Math" panose="02040503050406030204" pitchFamily="18" charset="0"/>
+                                    </a:rPr>
+                                    <m:t>𝑦</m:t>
+                                  </m:r>
+                                </m:e>
+                              </m:acc>
+                            </m:e>
+                          </m:d>
+                        </m:e>
+                        <m:sup>
+                          <m:r>
+                            <a:rPr lang="en-US" b="0" i="1" smtClean="0">
+                              <a:latin typeface="Cambria Math" panose="02040503050406030204" pitchFamily="18" charset="0"/>
+                            </a:rPr>
+                            <m:t>2</m:t>
+                          </m:r>
+                        </m:sup>
+                      </m:sSup>
+                      <m:r>
+                        <a:rPr lang="en-US" b="0" i="1" smtClean="0">
+                          <a:latin typeface="Cambria Math" panose="02040503050406030204" pitchFamily="18" charset="0"/>
+                        </a:rPr>
+                        <m:t>=</m:t>
+                      </m:r>
+                      <m:sSup>
+                        <m:sSupPr>
+                          <m:ctrlPr>
+                            <a:rPr lang="en-US" i="1">
+                              <a:latin typeface="Cambria Math" panose="02040503050406030204" pitchFamily="18" charset="0"/>
+                            </a:rPr>
+                          </m:ctrlPr>
+                        </m:sSupPr>
+                        <m:e>
+                          <m:d>
+                            <m:dPr>
+                              <m:begChr m:val="‖"/>
+                              <m:endChr m:val="‖"/>
+                              <m:ctrlPr>
+                                <a:rPr lang="en-US" i="1">
+                                  <a:latin typeface="Cambria Math" panose="02040503050406030204" pitchFamily="18" charset="0"/>
+                                </a:rPr>
+                              </m:ctrlPr>
+                            </m:dPr>
+                            <m:e>
+                              <m:r>
+                                <a:rPr lang="en-US" b="0" i="1" smtClean="0">
+                                  <a:latin typeface="Cambria Math" panose="02040503050406030204" pitchFamily="18" charset="0"/>
+                                </a:rPr>
+                                <m:t>𝑦</m:t>
+                              </m:r>
+                              <m:r>
+                                <a:rPr lang="en-US" i="1">
+                                  <a:latin typeface="Cambria Math" panose="02040503050406030204" pitchFamily="18" charset="0"/>
+                                </a:rPr>
+                                <m:t>−</m:t>
+                              </m:r>
+                              <m:r>
+                                <a:rPr lang="en-US" b="0" i="1" smtClean="0">
+                                  <a:latin typeface="Cambria Math" panose="02040503050406030204" pitchFamily="18" charset="0"/>
+                                </a:rPr>
+                                <m:t>𝑋𝑤</m:t>
+                              </m:r>
+                            </m:e>
+                          </m:d>
+                        </m:e>
+                        <m:sup>
+                          <m:r>
+                            <a:rPr lang="en-US" i="1">
+                              <a:latin typeface="Cambria Math" panose="02040503050406030204" pitchFamily="18" charset="0"/>
+                            </a:rPr>
+                            <m:t>2</m:t>
+                          </m:r>
+                        </m:sup>
+                      </m:sSup>
+                    </m:oMath>
+                  </m:oMathPara>
+                </a14:m>
+                <a:endParaRPr lang="en-US" dirty="0"/>
+              </a:p>
+            </p:txBody>
+          </p:sp>
+        </mc:Choice>
+        <mc:Fallback>
+          <p:sp>
+            <p:nvSpPr>
+              <p:cNvPr id="9" name="TextBox 8">
+                <a:extLst>
+                  <a:ext uri="{FF2B5EF4-FFF2-40B4-BE49-F238E27FC236}">
+                    <a16:creationId xmlns:a16="http://schemas.microsoft.com/office/drawing/2014/main" id="{CC1A6E5F-FA2D-4867-9B87-37980B0C35EA}"/>
+                  </a:ext>
+                </a:extLst>
+              </p:cNvPr>
+              <p:cNvSpPr txBox="1">
+                <a:spLocks noRot="1" noChangeAspect="1" noMove="1" noResize="1" noEditPoints="1" noAdjustHandles="1" noChangeArrowheads="1" noChangeShapeType="1" noTextEdit="1"/>
+              </p:cNvSpPr>
+              <p:nvPr/>
+            </p:nvSpPr>
+            <p:spPr>
+              <a:xfrm>
+                <a:off x="4575011" y="3629865"/>
+                <a:ext cx="3109569" cy="276999"/>
+              </a:xfrm>
+              <a:prstGeom prst="rect">
+                <a:avLst/>
+              </a:prstGeom>
+              <a:blipFill>
+                <a:blip r:embed="rId3"/>
+                <a:stretch>
+                  <a:fillRect l="-1174" t="-8696" r="-391" b="-23913"/>
+                </a:stretch>
+              </a:blipFill>
+            </p:spPr>
+            <p:txBody>
+              <a:bodyPr/>
+              <a:lstStyle/>
+              <a:p>
+                <a:r>
+                  <a:rPr lang="en-US">
+                    <a:noFill/>
+                  </a:rPr>
+                  <a:t> </a:t>
+                </a:r>
+              </a:p>
+            </p:txBody>
+          </p:sp>
+        </mc:Fallback>
+      </mc:AlternateContent>
+      <mc:AlternateContent xmlns:mc="http://schemas.openxmlformats.org/markup-compatibility/2006">
+        <mc:Choice xmlns:a14="http://schemas.microsoft.com/office/drawing/2010/main" Requires="a14">
+          <p:sp>
+            <p:nvSpPr>
+              <p:cNvPr id="11" name="TextBox 10">
+                <a:extLst>
+                  <a:ext uri="{FF2B5EF4-FFF2-40B4-BE49-F238E27FC236}">
+                    <a16:creationId xmlns:a16="http://schemas.microsoft.com/office/drawing/2014/main" id="{7F4A45F2-C412-49BF-820C-4E76A01D1643}"/>
+                  </a:ext>
+                </a:extLst>
+              </p:cNvPr>
+              <p:cNvSpPr txBox="1"/>
+              <p:nvPr/>
+            </p:nvSpPr>
+            <p:spPr>
+              <a:xfrm>
+                <a:off x="3915184" y="5808448"/>
+                <a:ext cx="3337965" cy="365998"/>
+              </a:xfrm>
+              <a:prstGeom prst="rect">
+                <a:avLst/>
+              </a:prstGeom>
+              <a:noFill/>
+            </p:spPr>
+            <p:txBody>
+              <a:bodyPr wrap="none" lIns="0" tIns="0" rIns="0" bIns="0" rtlCol="0">
+                <a:spAutoFit/>
+              </a:bodyPr>
+              <a:lstStyle/>
+              <a:p>
+                <a14:m>
+                  <m:oMathPara xmlns:m="http://schemas.openxmlformats.org/officeDocument/2006/math">
+                    <m:oMathParaPr>
+                      <m:jc m:val="centerGroup"/>
+                    </m:oMathParaPr>
+                    <m:oMath xmlns:m="http://schemas.openxmlformats.org/officeDocument/2006/math">
+                      <m:r>
+                        <a:rPr lang="en-US" b="0" i="1" smtClean="0">
+                          <a:latin typeface="Cambria Math" panose="02040503050406030204" pitchFamily="18" charset="0"/>
+                        </a:rPr>
+                        <m:t>𝐽</m:t>
+                      </m:r>
+                      <m:d>
+                        <m:dPr>
+                          <m:ctrlPr>
+                            <a:rPr lang="en-US" b="0" i="1" smtClean="0">
+                              <a:latin typeface="Cambria Math" panose="02040503050406030204" pitchFamily="18" charset="0"/>
+                            </a:rPr>
+                          </m:ctrlPr>
+                        </m:dPr>
+                        <m:e>
+                          <m:r>
+                            <a:rPr lang="en-US" b="0" i="1" smtClean="0">
+                              <a:latin typeface="Cambria Math" panose="02040503050406030204" pitchFamily="18" charset="0"/>
+                            </a:rPr>
+                            <m:t>𝑤</m:t>
+                          </m:r>
+                        </m:e>
+                      </m:d>
+                      <m:r>
+                        <a:rPr lang="en-US" i="1" smtClean="0">
+                          <a:latin typeface="Cambria Math" panose="02040503050406030204" pitchFamily="18" charset="0"/>
+                        </a:rPr>
+                        <m:t>=</m:t>
+                      </m:r>
+                      <m:func>
+                        <m:funcPr>
+                          <m:ctrlPr>
+                            <a:rPr lang="en-US" i="1" smtClean="0">
+                              <a:latin typeface="Cambria Math" panose="02040503050406030204" pitchFamily="18" charset="0"/>
+                            </a:rPr>
+                          </m:ctrlPr>
+                        </m:funcPr>
+                        <m:fName>
+                          <m:limLow>
+                            <m:limLowPr>
+                              <m:ctrlPr>
+                                <a:rPr lang="en-US" i="1">
+                                  <a:latin typeface="Cambria Math" panose="02040503050406030204" pitchFamily="18" charset="0"/>
+                                </a:rPr>
+                              </m:ctrlPr>
+                            </m:limLowPr>
+                            <m:e>
+                              <m:r>
+                                <m:rPr>
+                                  <m:sty m:val="p"/>
+                                </m:rPr>
+                                <a:rPr lang="en-US">
+                                  <a:latin typeface="Cambria Math" panose="02040503050406030204" pitchFamily="18" charset="0"/>
+                                </a:rPr>
+                                <m:t>min</m:t>
+                              </m:r>
+                            </m:e>
+                            <m:lim>
+                              <m:r>
+                                <a:rPr lang="en-US" i="1">
+                                  <a:latin typeface="Cambria Math" panose="02040503050406030204" pitchFamily="18" charset="0"/>
+                                </a:rPr>
+                                <m:t>𝑤</m:t>
+                              </m:r>
+                            </m:lim>
+                          </m:limLow>
+                        </m:fName>
+                        <m:e>
+                          <m:sSup>
+                            <m:sSupPr>
+                              <m:ctrlPr>
+                                <a:rPr lang="en-US" i="1">
+                                  <a:latin typeface="Cambria Math" panose="02040503050406030204" pitchFamily="18" charset="0"/>
+                                </a:rPr>
+                              </m:ctrlPr>
+                            </m:sSupPr>
+                            <m:e>
+                              <m:d>
+                                <m:dPr>
+                                  <m:begChr m:val="‖"/>
+                                  <m:endChr m:val="‖"/>
+                                  <m:ctrlPr>
+                                    <a:rPr lang="en-US" i="1">
+                                      <a:latin typeface="Cambria Math" panose="02040503050406030204" pitchFamily="18" charset="0"/>
+                                    </a:rPr>
+                                  </m:ctrlPr>
+                                </m:dPr>
+                                <m:e>
+                                  <m:r>
+                                    <a:rPr lang="en-US" i="1">
+                                      <a:latin typeface="Cambria Math" panose="02040503050406030204" pitchFamily="18" charset="0"/>
+                                    </a:rPr>
+                                    <m:t>𝑦</m:t>
+                                  </m:r>
+                                  <m:r>
+                                    <a:rPr lang="en-US" i="1">
+                                      <a:latin typeface="Cambria Math" panose="02040503050406030204" pitchFamily="18" charset="0"/>
+                                    </a:rPr>
+                                    <m:t>−</m:t>
+                                  </m:r>
+                                  <m:r>
+                                    <a:rPr lang="en-US" b="0" i="1" smtClean="0">
+                                      <a:latin typeface="Cambria Math" panose="02040503050406030204" pitchFamily="18" charset="0"/>
+                                    </a:rPr>
+                                    <m:t>𝑋𝑤</m:t>
+                                  </m:r>
+                                </m:e>
+                              </m:d>
+                            </m:e>
+                            <m:sup>
+                              <m:r>
+                                <a:rPr lang="en-US" i="1">
+                                  <a:latin typeface="Cambria Math" panose="02040503050406030204" pitchFamily="18" charset="0"/>
+                                </a:rPr>
+                                <m:t>2</m:t>
+                              </m:r>
+                            </m:sup>
+                          </m:sSup>
+                          <m:r>
+                            <a:rPr lang="en-US" b="0" i="1" smtClean="0">
+                              <a:latin typeface="Cambria Math" panose="02040503050406030204" pitchFamily="18" charset="0"/>
+                            </a:rPr>
+                            <m:t>+ </m:t>
+                          </m:r>
+                          <m:r>
+                            <a:rPr lang="en-US" b="0" i="1" smtClean="0">
+                              <a:latin typeface="Cambria Math" panose="02040503050406030204" pitchFamily="18" charset="0"/>
+                              <a:ea typeface="Cambria Math" panose="02040503050406030204" pitchFamily="18" charset="0"/>
+                            </a:rPr>
+                            <m:t>𝛼</m:t>
+                          </m:r>
+                          <m:sSup>
+                            <m:sSupPr>
+                              <m:ctrlPr>
+                                <a:rPr lang="en-US" b="0" i="1" smtClean="0">
+                                  <a:latin typeface="Cambria Math" panose="02040503050406030204" pitchFamily="18" charset="0"/>
+                                  <a:ea typeface="Cambria Math" panose="02040503050406030204" pitchFamily="18" charset="0"/>
+                                </a:rPr>
+                              </m:ctrlPr>
+                            </m:sSupPr>
+                            <m:e>
+                              <m:d>
+                                <m:dPr>
+                                  <m:begChr m:val="‖"/>
+                                  <m:endChr m:val="‖"/>
+                                  <m:ctrlPr>
+                                    <a:rPr lang="en-US" b="0" i="1" smtClean="0">
+                                      <a:latin typeface="Cambria Math" panose="02040503050406030204" pitchFamily="18" charset="0"/>
+                                      <a:ea typeface="Cambria Math" panose="02040503050406030204" pitchFamily="18" charset="0"/>
+                                    </a:rPr>
+                                  </m:ctrlPr>
+                                </m:dPr>
+                                <m:e>
+                                  <m:r>
+                                    <a:rPr lang="en-US" b="0" i="1" smtClean="0">
+                                      <a:latin typeface="Cambria Math" panose="02040503050406030204" pitchFamily="18" charset="0"/>
+                                      <a:ea typeface="Cambria Math" panose="02040503050406030204" pitchFamily="18" charset="0"/>
+                                    </a:rPr>
+                                    <m:t>𝑤</m:t>
+                                  </m:r>
+                                </m:e>
+                              </m:d>
+                            </m:e>
+                            <m:sup>
+                              <m:r>
+                                <a:rPr lang="en-US" b="0" i="1" smtClean="0">
+                                  <a:latin typeface="Cambria Math" panose="02040503050406030204" pitchFamily="18" charset="0"/>
+                                  <a:ea typeface="Cambria Math" panose="02040503050406030204" pitchFamily="18" charset="0"/>
+                                </a:rPr>
+                                <m:t>2</m:t>
+                              </m:r>
+                            </m:sup>
+                          </m:sSup>
+                        </m:e>
+                      </m:func>
+                      <m:r>
+                        <a:rPr lang="en-US" b="0" i="1" smtClean="0">
+                          <a:latin typeface="Cambria Math" panose="02040503050406030204" pitchFamily="18" charset="0"/>
+                        </a:rPr>
+                        <m:t> </m:t>
+                      </m:r>
+                    </m:oMath>
+                  </m:oMathPara>
+                </a14:m>
+                <a:endParaRPr lang="en-US" dirty="0"/>
+              </a:p>
+            </p:txBody>
+          </p:sp>
+        </mc:Choice>
+        <mc:Fallback>
+          <p:sp>
+            <p:nvSpPr>
+              <p:cNvPr id="11" name="TextBox 10">
+                <a:extLst>
+                  <a:ext uri="{FF2B5EF4-FFF2-40B4-BE49-F238E27FC236}">
+                    <a16:creationId xmlns:a16="http://schemas.microsoft.com/office/drawing/2014/main" id="{7F4A45F2-C412-49BF-820C-4E76A01D1643}"/>
+                  </a:ext>
+                </a:extLst>
+              </p:cNvPr>
+              <p:cNvSpPr txBox="1">
+                <a:spLocks noRot="1" noChangeAspect="1" noMove="1" noResize="1" noEditPoints="1" noAdjustHandles="1" noChangeArrowheads="1" noChangeShapeType="1" noTextEdit="1"/>
+              </p:cNvSpPr>
+              <p:nvPr/>
+            </p:nvSpPr>
+            <p:spPr>
+              <a:xfrm>
+                <a:off x="3915184" y="5808448"/>
+                <a:ext cx="3337965" cy="365998"/>
+              </a:xfrm>
+              <a:prstGeom prst="rect">
+                <a:avLst/>
+              </a:prstGeom>
+              <a:blipFill>
+                <a:blip r:embed="rId4"/>
+                <a:stretch>
+                  <a:fillRect l="-1825" b="-11667"/>
+                </a:stretch>
+              </a:blipFill>
+            </p:spPr>
+            <p:txBody>
+              <a:bodyPr/>
+              <a:lstStyle/>
+              <a:p>
+                <a:r>
+                  <a:rPr lang="en-US">
+                    <a:noFill/>
+                  </a:rPr>
+                  <a:t> </a:t>
+                </a:r>
+              </a:p>
+            </p:txBody>
+          </p:sp>
+        </mc:Fallback>
+      </mc:AlternateContent>
+      <mc:AlternateContent xmlns:mc="http://schemas.openxmlformats.org/markup-compatibility/2006">
+        <mc:Choice xmlns:a14="http://schemas.microsoft.com/office/drawing/2010/main" Requires="a14">
+          <p:sp>
+            <p:nvSpPr>
+              <p:cNvPr id="12" name="TextBox 11">
+                <a:extLst>
+                  <a:ext uri="{FF2B5EF4-FFF2-40B4-BE49-F238E27FC236}">
+                    <a16:creationId xmlns:a16="http://schemas.microsoft.com/office/drawing/2014/main" id="{BBE50A5C-339F-4847-B068-9D81138052A1}"/>
+                  </a:ext>
+                </a:extLst>
+              </p:cNvPr>
+              <p:cNvSpPr txBox="1"/>
+              <p:nvPr/>
+            </p:nvSpPr>
+            <p:spPr>
+              <a:xfrm>
+                <a:off x="4575011" y="4308659"/>
+                <a:ext cx="2337948" cy="365998"/>
+              </a:xfrm>
+              <a:prstGeom prst="rect">
+                <a:avLst/>
+              </a:prstGeom>
+              <a:noFill/>
+            </p:spPr>
+            <p:txBody>
+              <a:bodyPr wrap="none" lIns="0" tIns="0" rIns="0" bIns="0" rtlCol="0">
+                <a:spAutoFit/>
+              </a:bodyPr>
+              <a:lstStyle/>
+              <a:p>
+                <a14:m>
+                  <m:oMathPara xmlns:m="http://schemas.openxmlformats.org/officeDocument/2006/math">
+                    <m:oMathParaPr>
+                      <m:jc m:val="centerGroup"/>
+                    </m:oMathParaPr>
+                    <m:oMath xmlns:m="http://schemas.openxmlformats.org/officeDocument/2006/math">
+                      <m:r>
+                        <a:rPr lang="en-US" b="0" i="1" smtClean="0">
+                          <a:latin typeface="Cambria Math" panose="02040503050406030204" pitchFamily="18" charset="0"/>
+                        </a:rPr>
+                        <m:t>𝐽</m:t>
+                      </m:r>
+                      <m:d>
+                        <m:dPr>
+                          <m:ctrlPr>
+                            <a:rPr lang="en-US" b="0" i="1" smtClean="0">
+                              <a:latin typeface="Cambria Math" panose="02040503050406030204" pitchFamily="18" charset="0"/>
+                            </a:rPr>
+                          </m:ctrlPr>
+                        </m:dPr>
+                        <m:e>
+                          <m:r>
+                            <a:rPr lang="en-US" b="0" i="1" smtClean="0">
+                              <a:latin typeface="Cambria Math" panose="02040503050406030204" pitchFamily="18" charset="0"/>
+                            </a:rPr>
+                            <m:t>𝑤</m:t>
+                          </m:r>
+                        </m:e>
+                      </m:d>
+                      <m:r>
+                        <a:rPr lang="en-US" i="1" smtClean="0">
+                          <a:latin typeface="Cambria Math" panose="02040503050406030204" pitchFamily="18" charset="0"/>
+                        </a:rPr>
+                        <m:t>=</m:t>
+                      </m:r>
+                      <m:func>
+                        <m:funcPr>
+                          <m:ctrlPr>
+                            <a:rPr lang="en-US" i="1" smtClean="0">
+                              <a:latin typeface="Cambria Math" panose="02040503050406030204" pitchFamily="18" charset="0"/>
+                            </a:rPr>
+                          </m:ctrlPr>
+                        </m:funcPr>
+                        <m:fName>
+                          <m:limLow>
+                            <m:limLowPr>
+                              <m:ctrlPr>
+                                <a:rPr lang="en-US" i="1">
+                                  <a:latin typeface="Cambria Math" panose="02040503050406030204" pitchFamily="18" charset="0"/>
+                                </a:rPr>
+                              </m:ctrlPr>
+                            </m:limLowPr>
+                            <m:e>
+                              <m:r>
+                                <m:rPr>
+                                  <m:sty m:val="p"/>
+                                </m:rPr>
+                                <a:rPr lang="en-US">
+                                  <a:latin typeface="Cambria Math" panose="02040503050406030204" pitchFamily="18" charset="0"/>
+                                </a:rPr>
+                                <m:t>min</m:t>
+                              </m:r>
+                            </m:e>
+                            <m:lim>
+                              <m:r>
+                                <a:rPr lang="en-US" i="1">
+                                  <a:latin typeface="Cambria Math" panose="02040503050406030204" pitchFamily="18" charset="0"/>
+                                </a:rPr>
+                                <m:t>𝑤</m:t>
+                              </m:r>
+                            </m:lim>
+                          </m:limLow>
+                        </m:fName>
+                        <m:e>
+                          <m:sSup>
+                            <m:sSupPr>
+                              <m:ctrlPr>
+                                <a:rPr lang="en-US" i="1">
+                                  <a:latin typeface="Cambria Math" panose="02040503050406030204" pitchFamily="18" charset="0"/>
+                                </a:rPr>
+                              </m:ctrlPr>
+                            </m:sSupPr>
+                            <m:e>
+                              <m:d>
+                                <m:dPr>
+                                  <m:begChr m:val="‖"/>
+                                  <m:endChr m:val="‖"/>
+                                  <m:ctrlPr>
+                                    <a:rPr lang="en-US" i="1">
+                                      <a:latin typeface="Cambria Math" panose="02040503050406030204" pitchFamily="18" charset="0"/>
+                                    </a:rPr>
+                                  </m:ctrlPr>
+                                </m:dPr>
+                                <m:e>
+                                  <m:r>
+                                    <a:rPr lang="en-US" i="1">
+                                      <a:latin typeface="Cambria Math" panose="02040503050406030204" pitchFamily="18" charset="0"/>
+                                    </a:rPr>
+                                    <m:t>𝑦</m:t>
+                                  </m:r>
+                                  <m:r>
+                                    <a:rPr lang="en-US" i="1">
+                                      <a:latin typeface="Cambria Math" panose="02040503050406030204" pitchFamily="18" charset="0"/>
+                                    </a:rPr>
+                                    <m:t>−</m:t>
+                                  </m:r>
+                                  <m:r>
+                                    <a:rPr lang="en-US" b="0" i="1" smtClean="0">
+                                      <a:latin typeface="Cambria Math" panose="02040503050406030204" pitchFamily="18" charset="0"/>
+                                    </a:rPr>
+                                    <m:t>𝑋𝑤</m:t>
+                                  </m:r>
+                                </m:e>
+                              </m:d>
+                            </m:e>
+                            <m:sup>
+                              <m:r>
+                                <a:rPr lang="en-US" i="1">
+                                  <a:latin typeface="Cambria Math" panose="02040503050406030204" pitchFamily="18" charset="0"/>
+                                </a:rPr>
+                                <m:t>2</m:t>
+                              </m:r>
+                            </m:sup>
+                          </m:sSup>
+                        </m:e>
+                      </m:func>
+                      <m:r>
+                        <a:rPr lang="en-US" b="0" i="1" smtClean="0">
+                          <a:latin typeface="Cambria Math" panose="02040503050406030204" pitchFamily="18" charset="0"/>
+                        </a:rPr>
+                        <m:t> </m:t>
+                      </m:r>
+                    </m:oMath>
+                  </m:oMathPara>
+                </a14:m>
+                <a:endParaRPr lang="en-US" dirty="0"/>
+              </a:p>
+            </p:txBody>
+          </p:sp>
+        </mc:Choice>
+        <mc:Fallback>
+          <p:sp>
+            <p:nvSpPr>
+              <p:cNvPr id="12" name="TextBox 11">
+                <a:extLst>
+                  <a:ext uri="{FF2B5EF4-FFF2-40B4-BE49-F238E27FC236}">
+                    <a16:creationId xmlns:a16="http://schemas.microsoft.com/office/drawing/2014/main" id="{BBE50A5C-339F-4847-B068-9D81138052A1}"/>
+                  </a:ext>
+                </a:extLst>
+              </p:cNvPr>
+              <p:cNvSpPr txBox="1">
+                <a:spLocks noRot="1" noChangeAspect="1" noMove="1" noResize="1" noEditPoints="1" noAdjustHandles="1" noChangeArrowheads="1" noChangeShapeType="1" noTextEdit="1"/>
+              </p:cNvSpPr>
+              <p:nvPr/>
+            </p:nvSpPr>
+            <p:spPr>
+              <a:xfrm>
+                <a:off x="4575011" y="4308659"/>
+                <a:ext cx="2337948" cy="365998"/>
+              </a:xfrm>
+              <a:prstGeom prst="rect">
+                <a:avLst/>
+              </a:prstGeom>
+              <a:blipFill>
+                <a:blip r:embed="rId5"/>
+                <a:stretch>
+                  <a:fillRect l="-2865" b="-11667"/>
+                </a:stretch>
+              </a:blipFill>
+            </p:spPr>
+            <p:txBody>
+              <a:bodyPr/>
+              <a:lstStyle/>
+              <a:p>
+                <a:r>
+                  <a:rPr lang="en-US">
+                    <a:noFill/>
+                  </a:rPr>
+                  <a:t> </a:t>
+                </a:r>
+              </a:p>
+            </p:txBody>
+          </p:sp>
+        </mc:Fallback>
+      </mc:AlternateContent>
     </p:spTree>
     <p:extLst>
       <p:ext uri="{BB962C8B-B14F-4D97-AF65-F5344CB8AC3E}">

--- a/html/ML-Course/Intro-to-ML-with-Python/images/Image Creation.pptx
+++ b/html/ML-Course/Intro-to-ML-with-Python/images/Image Creation.pptx
@@ -3976,8 +3976,8 @@
           </a:p>
         </p:txBody>
       </p:sp>
-      <mc:AlternateContent xmlns:mc="http://schemas.openxmlformats.org/markup-compatibility/2006">
-        <mc:Choice xmlns:a14="http://schemas.microsoft.com/office/drawing/2010/main" Requires="a14">
+      <mc:AlternateContent xmlns:mc="http://schemas.openxmlformats.org/markup-compatibility/2006" xmlns:a14="http://schemas.microsoft.com/office/drawing/2010/main">
+        <mc:Choice Requires="a14">
           <p:sp>
             <p:nvSpPr>
               <p:cNvPr id="8" name="TextBox 7">
@@ -4006,6 +4006,7 @@
               </a:bodyPr>
               <a:lstStyle/>
               <a:p>
+                <a:pPr/>
                 <a14:m>
                   <m:oMathPara xmlns:m="http://schemas.openxmlformats.org/officeDocument/2006/math">
                     <m:oMathParaPr>
@@ -4192,7 +4193,7 @@
             </p:txBody>
           </p:sp>
         </mc:Choice>
-        <mc:Fallback>
+        <mc:Fallback xmlns="">
           <p:sp>
             <p:nvSpPr>
               <p:cNvPr id="8" name="TextBox 7">
@@ -4237,8 +4238,8 @@
           </p:sp>
         </mc:Fallback>
       </mc:AlternateContent>
-      <mc:AlternateContent xmlns:mc="http://schemas.openxmlformats.org/markup-compatibility/2006">
-        <mc:Choice xmlns:a14="http://schemas.microsoft.com/office/drawing/2010/main" Requires="a14">
+      <mc:AlternateContent xmlns:mc="http://schemas.openxmlformats.org/markup-compatibility/2006" xmlns:a14="http://schemas.microsoft.com/office/drawing/2010/main">
+        <mc:Choice Requires="a14">
           <p:sp>
             <p:nvSpPr>
               <p:cNvPr id="9" name="TextBox 8">
@@ -4267,6 +4268,7 @@
               </a:bodyPr>
               <a:lstStyle/>
               <a:p>
+                <a:pPr/>
                 <a14:m>
                   <m:oMathPara xmlns:m="http://schemas.openxmlformats.org/officeDocument/2006/math">
                     <m:oMathParaPr>
@@ -4411,7 +4413,7 @@
             </p:txBody>
           </p:sp>
         </mc:Choice>
-        <mc:Fallback>
+        <mc:Fallback xmlns="">
           <p:sp>
             <p:nvSpPr>
               <p:cNvPr id="9" name="TextBox 8">
@@ -4472,8 +4474,8 @@
             </p:nvSpPr>
             <p:spPr>
               <a:xfrm>
-                <a:off x="3915184" y="5808448"/>
-                <a:ext cx="3337965" cy="365998"/>
+                <a:off x="2375883" y="5186279"/>
+                <a:ext cx="5283947" cy="365998"/>
               </a:xfrm>
               <a:prstGeom prst="rect">
                 <a:avLst/>
@@ -4486,6 +4488,7 @@
               </a:bodyPr>
               <a:lstStyle/>
               <a:p>
+                <a:pPr/>
                 <a14:m>
                   <m:oMathPara xmlns:m="http://schemas.openxmlformats.org/officeDocument/2006/math">
                     <m:oMathParaPr>
@@ -4665,6 +4668,104 @@
                               </m:r>
                             </m:sup>
                           </m:sSup>
+                          <m:r>
+                            <a:rPr lang="en-US" b="0" i="1" smtClean="0">
+                              <a:latin typeface="Cambria Math" panose="02040503050406030204" pitchFamily="18" charset="0"/>
+                              <a:ea typeface="Cambria Math" panose="02040503050406030204" pitchFamily="18" charset="0"/>
+                            </a:rPr>
+                            <m:t>=</m:t>
+                          </m:r>
+                          <m:func>
+                            <m:funcPr>
+                              <m:ctrlPr>
+                                <a:rPr lang="en-US" i="1">
+                                  <a:latin typeface="Cambria Math" panose="02040503050406030204" pitchFamily="18" charset="0"/>
+                                </a:rPr>
+                              </m:ctrlPr>
+                            </m:funcPr>
+                            <m:fName>
+                              <m:limLow>
+                                <m:limLowPr>
+                                  <m:ctrlPr>
+                                    <a:rPr lang="en-US" i="1">
+                                      <a:latin typeface="Cambria Math" panose="02040503050406030204" pitchFamily="18" charset="0"/>
+                                    </a:rPr>
+                                  </m:ctrlPr>
+                                </m:limLowPr>
+                                <m:e>
+                                  <m:r>
+                                    <m:rPr>
+                                      <m:sty m:val="p"/>
+                                    </m:rPr>
+                                    <a:rPr lang="en-US">
+                                      <a:latin typeface="Cambria Math" panose="02040503050406030204" pitchFamily="18" charset="0"/>
+                                    </a:rPr>
+                                    <m:t>min</m:t>
+                                  </m:r>
+                                </m:e>
+                                <m:lim>
+                                  <m:r>
+                                    <a:rPr lang="en-US" i="1">
+                                      <a:latin typeface="Cambria Math" panose="02040503050406030204" pitchFamily="18" charset="0"/>
+                                    </a:rPr>
+                                    <m:t>𝑤</m:t>
+                                  </m:r>
+                                </m:lim>
+                              </m:limLow>
+                            </m:fName>
+                            <m:e>
+                              <m:sSup>
+                                <m:sSupPr>
+                                  <m:ctrlPr>
+                                    <a:rPr lang="en-US" i="1">
+                                      <a:latin typeface="Cambria Math" panose="02040503050406030204" pitchFamily="18" charset="0"/>
+                                    </a:rPr>
+                                  </m:ctrlPr>
+                                </m:sSupPr>
+                                <m:e>
+                                  <m:d>
+                                    <m:dPr>
+                                      <m:begChr m:val="‖"/>
+                                      <m:endChr m:val="‖"/>
+                                      <m:ctrlPr>
+                                        <a:rPr lang="en-US" i="1">
+                                          <a:latin typeface="Cambria Math" panose="02040503050406030204" pitchFamily="18" charset="0"/>
+                                        </a:rPr>
+                                      </m:ctrlPr>
+                                    </m:dPr>
+                                    <m:e>
+                                      <m:r>
+                                        <a:rPr lang="en-US" i="1">
+                                          <a:latin typeface="Cambria Math" panose="02040503050406030204" pitchFamily="18" charset="0"/>
+                                        </a:rPr>
+                                        <m:t>𝑦</m:t>
+                                      </m:r>
+                                      <m:r>
+                                        <a:rPr lang="en-US" i="1">
+                                          <a:latin typeface="Cambria Math" panose="02040503050406030204" pitchFamily="18" charset="0"/>
+                                        </a:rPr>
+                                        <m:t>−</m:t>
+                                      </m:r>
+                                      <m:r>
+                                        <a:rPr lang="en-US" i="1">
+                                          <a:latin typeface="Cambria Math" panose="02040503050406030204" pitchFamily="18" charset="0"/>
+                                        </a:rPr>
+                                        <m:t>𝑋𝑤</m:t>
+                                      </m:r>
+                                    </m:e>
+                                  </m:d>
+                                </m:e>
+                                <m:sup>
+                                  <m:r>
+                                    <a:rPr lang="en-US" i="1">
+                                      <a:latin typeface="Cambria Math" panose="02040503050406030204" pitchFamily="18" charset="0"/>
+                                    </a:rPr>
+                                    <m:t>2</m:t>
+                                  </m:r>
+                                </m:sup>
+                              </m:sSup>
+                            </m:e>
+                          </m:func>
                         </m:e>
                       </m:func>
                       <m:r>
@@ -4698,8 +4799,8 @@
             </p:nvSpPr>
             <p:spPr>
               <a:xfrm>
-                <a:off x="3915184" y="5808448"/>
-                <a:ext cx="3337965" cy="365998"/>
+                <a:off x="2375883" y="5186279"/>
+                <a:ext cx="5283947" cy="365998"/>
               </a:xfrm>
               <a:prstGeom prst="rect">
                 <a:avLst/>
@@ -4707,7 +4808,7 @@
               <a:blipFill>
                 <a:blip r:embed="rId4"/>
                 <a:stretch>
-                  <a:fillRect l="-1825" b="-11667"/>
+                  <a:fillRect b="-11667"/>
                 </a:stretch>
               </a:blipFill>
             </p:spPr>
@@ -4726,8 +4827,8 @@
           </p:sp>
         </mc:Fallback>
       </mc:AlternateContent>
-      <mc:AlternateContent xmlns:mc="http://schemas.openxmlformats.org/markup-compatibility/2006">
-        <mc:Choice xmlns:a14="http://schemas.microsoft.com/office/drawing/2010/main" Requires="a14">
+      <mc:AlternateContent xmlns:mc="http://schemas.openxmlformats.org/markup-compatibility/2006" xmlns:a14="http://schemas.microsoft.com/office/drawing/2010/main">
+        <mc:Choice Requires="a14">
           <p:sp>
             <p:nvSpPr>
               <p:cNvPr id="12" name="TextBox 11">
@@ -4756,6 +4857,7 @@
               </a:bodyPr>
               <a:lstStyle/>
               <a:p>
+                <a:pPr/>
                 <a14:m>
                   <m:oMathPara xmlns:m="http://schemas.openxmlformats.org/officeDocument/2006/math">
                     <m:oMathParaPr>
@@ -4896,7 +4998,7 @@
             </p:txBody>
           </p:sp>
         </mc:Choice>
-        <mc:Fallback>
+        <mc:Fallback xmlns="">
           <p:sp>
             <p:nvSpPr>
               <p:cNvPr id="12" name="TextBox 11">

--- a/html/ML-Course/Intro-to-ML-with-Python/images/Image Creation.pptx
+++ b/html/ML-Course/Intro-to-ML-with-Python/images/Image Creation.pptx
@@ -7,6 +7,7 @@
   <p:sldIdLst>
     <p:sldId id="256" r:id="rId2"/>
     <p:sldId id="257" r:id="rId3"/>
+    <p:sldId id="258" r:id="rId4"/>
   </p:sldIdLst>
   <p:sldSz cx="12192000" cy="6858000"/>
   <p:notesSz cx="6858000" cy="9144000"/>
@@ -271,7 +272,7 @@
           <a:p>
             <a:fld id="{942D5359-678D-46E0-9A3F-2618D6F70C3F}" type="datetimeFigureOut">
               <a:rPr lang="en-US" smtClean="0"/>
-              <a:t>09-Sep-18</a:t>
+              <a:t>14-Sep-18</a:t>
             </a:fld>
             <a:endParaRPr lang="en-US"/>
           </a:p>
@@ -469,7 +470,7 @@
           <a:p>
             <a:fld id="{942D5359-678D-46E0-9A3F-2618D6F70C3F}" type="datetimeFigureOut">
               <a:rPr lang="en-US" smtClean="0"/>
-              <a:t>09-Sep-18</a:t>
+              <a:t>14-Sep-18</a:t>
             </a:fld>
             <a:endParaRPr lang="en-US"/>
           </a:p>
@@ -677,7 +678,7 @@
           <a:p>
             <a:fld id="{942D5359-678D-46E0-9A3F-2618D6F70C3F}" type="datetimeFigureOut">
               <a:rPr lang="en-US" smtClean="0"/>
-              <a:t>09-Sep-18</a:t>
+              <a:t>14-Sep-18</a:t>
             </a:fld>
             <a:endParaRPr lang="en-US"/>
           </a:p>
@@ -875,7 +876,7 @@
           <a:p>
             <a:fld id="{942D5359-678D-46E0-9A3F-2618D6F70C3F}" type="datetimeFigureOut">
               <a:rPr lang="en-US" smtClean="0"/>
-              <a:t>09-Sep-18</a:t>
+              <a:t>14-Sep-18</a:t>
             </a:fld>
             <a:endParaRPr lang="en-US"/>
           </a:p>
@@ -1150,7 +1151,7 @@
           <a:p>
             <a:fld id="{942D5359-678D-46E0-9A3F-2618D6F70C3F}" type="datetimeFigureOut">
               <a:rPr lang="en-US" smtClean="0"/>
-              <a:t>09-Sep-18</a:t>
+              <a:t>14-Sep-18</a:t>
             </a:fld>
             <a:endParaRPr lang="en-US"/>
           </a:p>
@@ -1415,7 +1416,7 @@
           <a:p>
             <a:fld id="{942D5359-678D-46E0-9A3F-2618D6F70C3F}" type="datetimeFigureOut">
               <a:rPr lang="en-US" smtClean="0"/>
-              <a:t>09-Sep-18</a:t>
+              <a:t>14-Sep-18</a:t>
             </a:fld>
             <a:endParaRPr lang="en-US"/>
           </a:p>
@@ -1827,7 +1828,7 @@
           <a:p>
             <a:fld id="{942D5359-678D-46E0-9A3F-2618D6F70C3F}" type="datetimeFigureOut">
               <a:rPr lang="en-US" smtClean="0"/>
-              <a:t>09-Sep-18</a:t>
+              <a:t>14-Sep-18</a:t>
             </a:fld>
             <a:endParaRPr lang="en-US"/>
           </a:p>
@@ -1968,7 +1969,7 @@
           <a:p>
             <a:fld id="{942D5359-678D-46E0-9A3F-2618D6F70C3F}" type="datetimeFigureOut">
               <a:rPr lang="en-US" smtClean="0"/>
-              <a:t>09-Sep-18</a:t>
+              <a:t>14-Sep-18</a:t>
             </a:fld>
             <a:endParaRPr lang="en-US"/>
           </a:p>
@@ -2081,7 +2082,7 @@
           <a:p>
             <a:fld id="{942D5359-678D-46E0-9A3F-2618D6F70C3F}" type="datetimeFigureOut">
               <a:rPr lang="en-US" smtClean="0"/>
-              <a:t>09-Sep-18</a:t>
+              <a:t>14-Sep-18</a:t>
             </a:fld>
             <a:endParaRPr lang="en-US"/>
           </a:p>
@@ -2392,7 +2393,7 @@
           <a:p>
             <a:fld id="{942D5359-678D-46E0-9A3F-2618D6F70C3F}" type="datetimeFigureOut">
               <a:rPr lang="en-US" smtClean="0"/>
-              <a:t>09-Sep-18</a:t>
+              <a:t>14-Sep-18</a:t>
             </a:fld>
             <a:endParaRPr lang="en-US"/>
           </a:p>
@@ -2680,7 +2681,7 @@
           <a:p>
             <a:fld id="{942D5359-678D-46E0-9A3F-2618D6F70C3F}" type="datetimeFigureOut">
               <a:rPr lang="en-US" smtClean="0"/>
-              <a:t>09-Sep-18</a:t>
+              <a:t>14-Sep-18</a:t>
             </a:fld>
             <a:endParaRPr lang="en-US"/>
           </a:p>
@@ -2921,7 +2922,7 @@
           <a:p>
             <a:fld id="{942D5359-678D-46E0-9A3F-2618D6F70C3F}" type="datetimeFigureOut">
               <a:rPr lang="en-US" smtClean="0"/>
-              <a:t>09-Sep-18</a:t>
+              <a:t>14-Sep-18</a:t>
             </a:fld>
             <a:endParaRPr lang="en-US"/>
           </a:p>
@@ -4458,8 +4459,8 @@
           </p:sp>
         </mc:Fallback>
       </mc:AlternateContent>
-      <mc:AlternateContent xmlns:mc="http://schemas.openxmlformats.org/markup-compatibility/2006">
-        <mc:Choice xmlns:a14="http://schemas.microsoft.com/office/drawing/2010/main" Requires="a14">
+      <mc:AlternateContent xmlns:mc="http://schemas.openxmlformats.org/markup-compatibility/2006" xmlns:a14="http://schemas.microsoft.com/office/drawing/2010/main">
+        <mc:Choice Requires="a14">
           <p:sp>
             <p:nvSpPr>
               <p:cNvPr id="11" name="TextBox 10">
@@ -4782,7 +4783,7 @@
             </p:txBody>
           </p:sp>
         </mc:Choice>
-        <mc:Fallback>
+        <mc:Fallback xmlns="">
           <p:sp>
             <p:nvSpPr>
               <p:cNvPr id="11" name="TextBox 10">
@@ -5047,6 +5048,86 @@
     <p:extLst>
       <p:ext uri="{BB962C8B-B14F-4D97-AF65-F5344CB8AC3E}">
         <p14:creationId xmlns:p14="http://schemas.microsoft.com/office/powerpoint/2010/main" val="1551608740"/>
+      </p:ext>
+    </p:extLst>
+  </p:cSld>
+  <p:clrMapOvr>
+    <a:masterClrMapping/>
+  </p:clrMapOvr>
+</p:sld>
+</file>
+
+<file path=ppt/slides/slide3.xml><?xml version="1.0" encoding="utf-8"?>
+<p:sld xmlns:a="http://schemas.openxmlformats.org/drawingml/2006/main" xmlns:r="http://schemas.openxmlformats.org/officeDocument/2006/relationships" xmlns:p="http://schemas.openxmlformats.org/presentationml/2006/main">
+  <p:cSld>
+    <p:spTree>
+      <p:nvGrpSpPr>
+        <p:cNvPr id="1" name=""/>
+        <p:cNvGrpSpPr/>
+        <p:nvPr/>
+      </p:nvGrpSpPr>
+      <p:grpSpPr>
+        <a:xfrm>
+          <a:off x="0" y="0"/>
+          <a:ext cx="0" cy="0"/>
+          <a:chOff x="0" y="0"/>
+          <a:chExt cx="0" cy="0"/>
+        </a:xfrm>
+      </p:grpSpPr>
+      <p:sp>
+        <p:nvSpPr>
+          <p:cNvPr id="2" name="Title 1">
+            <a:extLst>
+              <a:ext uri="{FF2B5EF4-FFF2-40B4-BE49-F238E27FC236}">
+                <a16:creationId xmlns:a16="http://schemas.microsoft.com/office/drawing/2014/main" id="{B923EB5C-D9C2-4FAE-B673-7CE464F3F851}"/>
+              </a:ext>
+            </a:extLst>
+          </p:cNvPr>
+          <p:cNvSpPr>
+            <a:spLocks noGrp="1"/>
+          </p:cNvSpPr>
+          <p:nvPr>
+            <p:ph type="title"/>
+          </p:nvPr>
+        </p:nvSpPr>
+        <p:spPr/>
+        <p:txBody>
+          <a:bodyPr/>
+          <a:lstStyle/>
+          <a:p>
+            <a:endParaRPr lang="en-US" dirty="0"/>
+          </a:p>
+        </p:txBody>
+      </p:sp>
+      <p:sp>
+        <p:nvSpPr>
+          <p:cNvPr id="9" name="Content Placeholder 8">
+            <a:extLst>
+              <a:ext uri="{FF2B5EF4-FFF2-40B4-BE49-F238E27FC236}">
+                <a16:creationId xmlns:a16="http://schemas.microsoft.com/office/drawing/2014/main" id="{B11CB8CA-5F92-4EC9-83C2-6752D1B68955}"/>
+              </a:ext>
+            </a:extLst>
+          </p:cNvPr>
+          <p:cNvSpPr>
+            <a:spLocks noGrp="1"/>
+          </p:cNvSpPr>
+          <p:nvPr>
+            <p:ph idx="1"/>
+          </p:nvPr>
+        </p:nvSpPr>
+        <p:spPr/>
+        <p:txBody>
+          <a:bodyPr/>
+          <a:lstStyle/>
+          <a:p>
+            <a:endParaRPr lang="en-US"/>
+          </a:p>
+        </p:txBody>
+      </p:sp>
+    </p:spTree>
+    <p:extLst>
+      <p:ext uri="{BB962C8B-B14F-4D97-AF65-F5344CB8AC3E}">
+        <p14:creationId xmlns:p14="http://schemas.microsoft.com/office/powerpoint/2010/main" val="3646343950"/>
       </p:ext>
     </p:extLst>
   </p:cSld>
